--- a/Lectures/4_Loop_V1.pptx
+++ b/Lectures/4_Loop_V1.pptx
@@ -364,7 +364,7 @@
           <a:p>
             <a:fld id="{1D8BD707-D9CF-40AE-B4C6-C98DA3205C09}" type="datetimeFigureOut">
               <a:rPr lang="en-US"/>
-              <a:t>2/2/2025</a:t>
+              <a:t>2/5/2025</a:t>
             </a:fld>
             <a:endParaRPr lang="en-US"/>
           </a:p>
@@ -590,7 +590,7 @@
           <a:p>
             <a:fld id="{1D8BD707-D9CF-40AE-B4C6-C98DA3205C09}" type="datetimeFigureOut">
               <a:rPr lang="en-US"/>
-              <a:t>2/2/2025</a:t>
+              <a:t>2/5/2025</a:t>
             </a:fld>
             <a:endParaRPr lang="en-US"/>
           </a:p>
@@ -853,7 +853,7 @@
           <a:p>
             <a:fld id="{1D8BD707-D9CF-40AE-B4C6-C98DA3205C09}" type="datetimeFigureOut">
               <a:rPr lang="en-US"/>
-              <a:t>2/2/2025</a:t>
+              <a:t>2/5/2025</a:t>
             </a:fld>
             <a:endParaRPr lang="en-US"/>
           </a:p>
@@ -1050,7 +1050,7 @@
           <a:p>
             <a:fld id="{1D8BD707-D9CF-40AE-B4C6-C98DA3205C09}" type="datetimeFigureOut">
               <a:rPr lang="en-US"/>
-              <a:t>2/2/2025</a:t>
+              <a:t>2/5/2025</a:t>
             </a:fld>
             <a:endParaRPr lang="en-US"/>
           </a:p>
@@ -1218,7 +1218,7 @@
           <a:p>
             <a:fld id="{1D8BD707-D9CF-40AE-B4C6-C98DA3205C09}" type="datetimeFigureOut">
               <a:rPr lang="en-US"/>
-              <a:t>2/2/2025</a:t>
+              <a:t>2/5/2025</a:t>
             </a:fld>
             <a:endParaRPr lang="en-US"/>
           </a:p>
@@ -1492,7 +1492,7 @@
           <a:p>
             <a:fld id="{1D8BD707-D9CF-40AE-B4C6-C98DA3205C09}" type="datetimeFigureOut">
               <a:rPr lang="en-US"/>
-              <a:t>2/2/2025</a:t>
+              <a:t>2/5/2025</a:t>
             </a:fld>
             <a:endParaRPr lang="en-US"/>
           </a:p>
@@ -13066,7 +13066,7 @@
         </p:nvSpPr>
         <p:spPr>
           <a:xfrm>
-            <a:off x="304800" y="6246222"/>
+            <a:off x="8534400" y="4512511"/>
             <a:ext cx="3489097" cy="369332"/>
           </a:xfrm>
           <a:prstGeom prst="rect">
@@ -40904,6 +40904,45 @@
           </a:p>
         </p:txBody>
       </p:sp>
+      <p:sp>
+        <p:nvSpPr>
+          <p:cNvPr id="15" name="TextBox 14">
+            <a:extLst>
+              <a:ext uri="{FF2B5EF4-FFF2-40B4-BE49-F238E27FC236}">
+                <a16:creationId xmlns:a16="http://schemas.microsoft.com/office/drawing/2014/main" id="{F1287B4F-C18F-E2FE-8037-8E1D26CCAE8E}"/>
+              </a:ext>
+            </a:extLst>
+          </p:cNvPr>
+          <p:cNvSpPr txBox="1"/>
+          <p:nvPr/>
+        </p:nvSpPr>
+        <p:spPr>
+          <a:xfrm>
+            <a:off x="8713153" y="5039051"/>
+            <a:ext cx="1467068" cy="369332"/>
+          </a:xfrm>
+          <a:prstGeom prst="rect">
+            <a:avLst/>
+          </a:prstGeom>
+          <a:noFill/>
+        </p:spPr>
+        <p:txBody>
+          <a:bodyPr wrap="none" rtlCol="0">
+            <a:spAutoFit/>
+          </a:bodyPr>
+          <a:lstStyle/>
+          <a:p>
+            <a:r>
+              <a:rPr lang="en-US" b="1" dirty="0">
+                <a:solidFill>
+                  <a:srgbClr val="FF0000"/>
+                </a:solidFill>
+              </a:rPr>
+              <a:t>Stopped here</a:t>
+            </a:r>
+          </a:p>
+        </p:txBody>
+      </p:sp>
     </p:spTree>
   </p:cSld>
   <p:clrMapOvr>
